--- a/anwesende/static/images/seatname-example.pptx
+++ b/anwesende/static/images/seatname-example.pptx
@@ -104,6 +104,11 @@
       </a:defRPr>
     </a:lvl9pPr>
   </p:defaultTextStyle>
+  <p:extLst>
+    <p:ext uri="{EFAFB233-063F-42B5-8137-9DF3F51BA10A}">
+      <p15:sldGuideLst xmlns:p15="http://schemas.microsoft.com/office/powerpoint/2012/main"/>
+    </p:ext>
+  </p:extLst>
 </p:presentation>
 </file>
 
@@ -254,7 +259,7 @@
           <a:p>
             <a:fld id="{FAA2DD4F-0A7E-44CA-B52B-C484519E71F7}" type="datetimeFigureOut">
               <a:rPr lang="en-US" smtClean="0"/>
-              <a:t>2021-01-02</a:t>
+              <a:t>2021-01-06</a:t>
             </a:fld>
             <a:endParaRPr lang="en-US"/>
           </a:p>
@@ -452,7 +457,7 @@
           <a:p>
             <a:fld id="{FAA2DD4F-0A7E-44CA-B52B-C484519E71F7}" type="datetimeFigureOut">
               <a:rPr lang="en-US" smtClean="0"/>
-              <a:t>2021-01-02</a:t>
+              <a:t>2021-01-06</a:t>
             </a:fld>
             <a:endParaRPr lang="en-US"/>
           </a:p>
@@ -660,7 +665,7 @@
           <a:p>
             <a:fld id="{FAA2DD4F-0A7E-44CA-B52B-C484519E71F7}" type="datetimeFigureOut">
               <a:rPr lang="en-US" smtClean="0"/>
-              <a:t>2021-01-02</a:t>
+              <a:t>2021-01-06</a:t>
             </a:fld>
             <a:endParaRPr lang="en-US"/>
           </a:p>
@@ -858,7 +863,7 @@
           <a:p>
             <a:fld id="{FAA2DD4F-0A7E-44CA-B52B-C484519E71F7}" type="datetimeFigureOut">
               <a:rPr lang="en-US" smtClean="0"/>
-              <a:t>2021-01-02</a:t>
+              <a:t>2021-01-06</a:t>
             </a:fld>
             <a:endParaRPr lang="en-US"/>
           </a:p>
@@ -1133,7 +1138,7 @@
           <a:p>
             <a:fld id="{FAA2DD4F-0A7E-44CA-B52B-C484519E71F7}" type="datetimeFigureOut">
               <a:rPr lang="en-US" smtClean="0"/>
-              <a:t>2021-01-02</a:t>
+              <a:t>2021-01-06</a:t>
             </a:fld>
             <a:endParaRPr lang="en-US"/>
           </a:p>
@@ -1398,7 +1403,7 @@
           <a:p>
             <a:fld id="{FAA2DD4F-0A7E-44CA-B52B-C484519E71F7}" type="datetimeFigureOut">
               <a:rPr lang="en-US" smtClean="0"/>
-              <a:t>2021-01-02</a:t>
+              <a:t>2021-01-06</a:t>
             </a:fld>
             <a:endParaRPr lang="en-US"/>
           </a:p>
@@ -1810,7 +1815,7 @@
           <a:p>
             <a:fld id="{FAA2DD4F-0A7E-44CA-B52B-C484519E71F7}" type="datetimeFigureOut">
               <a:rPr lang="en-US" smtClean="0"/>
-              <a:t>2021-01-02</a:t>
+              <a:t>2021-01-06</a:t>
             </a:fld>
             <a:endParaRPr lang="en-US"/>
           </a:p>
@@ -1951,7 +1956,7 @@
           <a:p>
             <a:fld id="{FAA2DD4F-0A7E-44CA-B52B-C484519E71F7}" type="datetimeFigureOut">
               <a:rPr lang="en-US" smtClean="0"/>
-              <a:t>2021-01-02</a:t>
+              <a:t>2021-01-06</a:t>
             </a:fld>
             <a:endParaRPr lang="en-US"/>
           </a:p>
@@ -2064,7 +2069,7 @@
           <a:p>
             <a:fld id="{FAA2DD4F-0A7E-44CA-B52B-C484519E71F7}" type="datetimeFigureOut">
               <a:rPr lang="en-US" smtClean="0"/>
-              <a:t>2021-01-02</a:t>
+              <a:t>2021-01-06</a:t>
             </a:fld>
             <a:endParaRPr lang="en-US"/>
           </a:p>
@@ -2375,7 +2380,7 @@
           <a:p>
             <a:fld id="{FAA2DD4F-0A7E-44CA-B52B-C484519E71F7}" type="datetimeFigureOut">
               <a:rPr lang="en-US" smtClean="0"/>
-              <a:t>2021-01-02</a:t>
+              <a:t>2021-01-06</a:t>
             </a:fld>
             <a:endParaRPr lang="en-US"/>
           </a:p>
@@ -2663,7 +2668,7 @@
           <a:p>
             <a:fld id="{FAA2DD4F-0A7E-44CA-B52B-C484519E71F7}" type="datetimeFigureOut">
               <a:rPr lang="en-US" smtClean="0"/>
-              <a:t>2021-01-02</a:t>
+              <a:t>2021-01-06</a:t>
             </a:fld>
             <a:endParaRPr lang="en-US"/>
           </a:p>
@@ -2904,7 +2909,7 @@
           <a:p>
             <a:fld id="{FAA2DD4F-0A7E-44CA-B52B-C484519E71F7}" type="datetimeFigureOut">
               <a:rPr lang="en-US" smtClean="0"/>
-              <a:t>2021-01-02</a:t>
+              <a:t>2021-01-06</a:t>
             </a:fld>
             <a:endParaRPr lang="en-US"/>
           </a:p>
@@ -3335,7 +3340,7 @@
         </p:nvSpPr>
         <p:spPr>
           <a:xfrm>
-            <a:off x="1868928" y="287972"/>
+            <a:off x="1868928" y="375433"/>
             <a:ext cx="803531" cy="369332"/>
           </a:xfrm>
           <a:prstGeom prst="rect">
@@ -3389,7 +3394,7 @@
         </p:nvSpPr>
         <p:spPr>
           <a:xfrm>
-            <a:off x="546412" y="1122779"/>
+            <a:off x="546412" y="1210240"/>
             <a:ext cx="803531" cy="369332"/>
           </a:xfrm>
           <a:prstGeom prst="rect">
@@ -3443,7 +3448,7 @@
         </p:nvSpPr>
         <p:spPr>
           <a:xfrm>
-            <a:off x="2035743" y="1122779"/>
+            <a:off x="2035743" y="1210240"/>
             <a:ext cx="803531" cy="369332"/>
           </a:xfrm>
           <a:prstGeom prst="rect">
@@ -3497,7 +3502,7 @@
         </p:nvSpPr>
         <p:spPr>
           <a:xfrm>
-            <a:off x="3338318" y="1156970"/>
+            <a:off x="3338318" y="1244431"/>
             <a:ext cx="803531" cy="369332"/>
           </a:xfrm>
           <a:prstGeom prst="rect">
@@ -3551,7 +3556,7 @@
         </p:nvSpPr>
         <p:spPr>
           <a:xfrm>
-            <a:off x="4595307" y="1136323"/>
+            <a:off x="4595307" y="1223784"/>
             <a:ext cx="803531" cy="369332"/>
           </a:xfrm>
           <a:prstGeom prst="rect">
@@ -3579,7 +3584,7 @@
                   </a:schemeClr>
                 </a:solidFill>
               </a:rPr>
-              <a:t>r2.s4</a:t>
+              <a:t>r2s4</a:t>
             </a:r>
             <a:endParaRPr lang="en-US" dirty="0">
               <a:solidFill>
@@ -3605,7 +3610,7 @@
         </p:nvSpPr>
         <p:spPr>
           <a:xfrm>
-            <a:off x="1232211" y="2040393"/>
+            <a:off x="1232211" y="2127854"/>
             <a:ext cx="803531" cy="369332"/>
           </a:xfrm>
           <a:prstGeom prst="rect">
@@ -3659,7 +3664,7 @@
         </p:nvSpPr>
         <p:spPr>
           <a:xfrm>
-            <a:off x="2797743" y="2089824"/>
+            <a:off x="2797743" y="2177285"/>
             <a:ext cx="803531" cy="369332"/>
           </a:xfrm>
           <a:prstGeom prst="rect">
@@ -3713,7 +3718,7 @@
         </p:nvSpPr>
         <p:spPr>
           <a:xfrm>
-            <a:off x="4005511" y="2034361"/>
+            <a:off x="4005511" y="2121822"/>
             <a:ext cx="803531" cy="369332"/>
           </a:xfrm>
           <a:prstGeom prst="rect">
@@ -3767,7 +3772,7 @@
         </p:nvSpPr>
         <p:spPr>
           <a:xfrm>
-            <a:off x="471549" y="2962255"/>
+            <a:off x="471549" y="3049716"/>
             <a:ext cx="803531" cy="369332"/>
           </a:xfrm>
           <a:prstGeom prst="rect">
@@ -3821,7 +3826,7 @@
         </p:nvSpPr>
         <p:spPr>
           <a:xfrm>
-            <a:off x="1916051" y="2924155"/>
+            <a:off x="1916051" y="3011616"/>
             <a:ext cx="803531" cy="369332"/>
           </a:xfrm>
           <a:prstGeom prst="rect">
@@ -3875,7 +3880,7 @@
         </p:nvSpPr>
         <p:spPr>
           <a:xfrm>
-            <a:off x="4595306" y="2960586"/>
+            <a:off x="4595306" y="3048047"/>
             <a:ext cx="803531" cy="369332"/>
           </a:xfrm>
           <a:prstGeom prst="rect">
@@ -3929,7 +3934,7 @@
         </p:nvSpPr>
         <p:spPr>
           <a:xfrm>
-            <a:off x="3263009" y="2962255"/>
+            <a:off x="3263009" y="3049716"/>
             <a:ext cx="803531" cy="369332"/>
           </a:xfrm>
           <a:prstGeom prst="rect">
@@ -3983,7 +3988,7 @@
         </p:nvSpPr>
         <p:spPr>
           <a:xfrm>
-            <a:off x="1175062" y="3921183"/>
+            <a:off x="1175062" y="4008644"/>
             <a:ext cx="803531" cy="369332"/>
           </a:xfrm>
           <a:prstGeom prst="rect">
@@ -4037,7 +4042,7 @@
         </p:nvSpPr>
         <p:spPr>
           <a:xfrm>
-            <a:off x="2618161" y="3880623"/>
+            <a:off x="2618161" y="3968084"/>
             <a:ext cx="803531" cy="369332"/>
           </a:xfrm>
           <a:prstGeom prst="rect">
@@ -4091,7 +4096,7 @@
         </p:nvSpPr>
         <p:spPr>
           <a:xfrm>
-            <a:off x="4002148" y="3851314"/>
+            <a:off x="4002148" y="3938775"/>
             <a:ext cx="803531" cy="369332"/>
           </a:xfrm>
           <a:prstGeom prst="rect">
@@ -4146,7 +4151,7 @@
         <p:spPr>
           <a:xfrm>
             <a:off x="304800" y="146050"/>
-            <a:ext cx="5486400" cy="4654550"/>
+            <a:ext cx="5486400" cy="4537268"/>
           </a:xfrm>
           <a:prstGeom prst="rect">
             <a:avLst/>

--- a/anwesende/static/images/seatname-example.pptx
+++ b/anwesende/static/images/seatname-example.pptx
@@ -6,6 +6,7 @@
   </p:sldMasterIdLst>
   <p:sldIdLst>
     <p:sldId id="256" r:id="rId2"/>
+    <p:sldId id="257" r:id="rId3"/>
   </p:sldIdLst>
   <p:sldSz cx="12192000" cy="6858000"/>
   <p:notesSz cx="6858000" cy="9144000"/>
@@ -259,7 +260,7 @@
           <a:p>
             <a:fld id="{FAA2DD4F-0A7E-44CA-B52B-C484519E71F7}" type="datetimeFigureOut">
               <a:rPr lang="en-US" smtClean="0"/>
-              <a:t>2021-01-06</a:t>
+              <a:t>2021-09-07</a:t>
             </a:fld>
             <a:endParaRPr lang="en-US"/>
           </a:p>
@@ -457,7 +458,7 @@
           <a:p>
             <a:fld id="{FAA2DD4F-0A7E-44CA-B52B-C484519E71F7}" type="datetimeFigureOut">
               <a:rPr lang="en-US" smtClean="0"/>
-              <a:t>2021-01-06</a:t>
+              <a:t>2021-09-07</a:t>
             </a:fld>
             <a:endParaRPr lang="en-US"/>
           </a:p>
@@ -665,7 +666,7 @@
           <a:p>
             <a:fld id="{FAA2DD4F-0A7E-44CA-B52B-C484519E71F7}" type="datetimeFigureOut">
               <a:rPr lang="en-US" smtClean="0"/>
-              <a:t>2021-01-06</a:t>
+              <a:t>2021-09-07</a:t>
             </a:fld>
             <a:endParaRPr lang="en-US"/>
           </a:p>
@@ -863,7 +864,7 @@
           <a:p>
             <a:fld id="{FAA2DD4F-0A7E-44CA-B52B-C484519E71F7}" type="datetimeFigureOut">
               <a:rPr lang="en-US" smtClean="0"/>
-              <a:t>2021-01-06</a:t>
+              <a:t>2021-09-07</a:t>
             </a:fld>
             <a:endParaRPr lang="en-US"/>
           </a:p>
@@ -1138,7 +1139,7 @@
           <a:p>
             <a:fld id="{FAA2DD4F-0A7E-44CA-B52B-C484519E71F7}" type="datetimeFigureOut">
               <a:rPr lang="en-US" smtClean="0"/>
-              <a:t>2021-01-06</a:t>
+              <a:t>2021-09-07</a:t>
             </a:fld>
             <a:endParaRPr lang="en-US"/>
           </a:p>
@@ -1403,7 +1404,7 @@
           <a:p>
             <a:fld id="{FAA2DD4F-0A7E-44CA-B52B-C484519E71F7}" type="datetimeFigureOut">
               <a:rPr lang="en-US" smtClean="0"/>
-              <a:t>2021-01-06</a:t>
+              <a:t>2021-09-07</a:t>
             </a:fld>
             <a:endParaRPr lang="en-US"/>
           </a:p>
@@ -1815,7 +1816,7 @@
           <a:p>
             <a:fld id="{FAA2DD4F-0A7E-44CA-B52B-C484519E71F7}" type="datetimeFigureOut">
               <a:rPr lang="en-US" smtClean="0"/>
-              <a:t>2021-01-06</a:t>
+              <a:t>2021-09-07</a:t>
             </a:fld>
             <a:endParaRPr lang="en-US"/>
           </a:p>
@@ -1956,7 +1957,7 @@
           <a:p>
             <a:fld id="{FAA2DD4F-0A7E-44CA-B52B-C484519E71F7}" type="datetimeFigureOut">
               <a:rPr lang="en-US" smtClean="0"/>
-              <a:t>2021-01-06</a:t>
+              <a:t>2021-09-07</a:t>
             </a:fld>
             <a:endParaRPr lang="en-US"/>
           </a:p>
@@ -2069,7 +2070,7 @@
           <a:p>
             <a:fld id="{FAA2DD4F-0A7E-44CA-B52B-C484519E71F7}" type="datetimeFigureOut">
               <a:rPr lang="en-US" smtClean="0"/>
-              <a:t>2021-01-06</a:t>
+              <a:t>2021-09-07</a:t>
             </a:fld>
             <a:endParaRPr lang="en-US"/>
           </a:p>
@@ -2380,7 +2381,7 @@
           <a:p>
             <a:fld id="{FAA2DD4F-0A7E-44CA-B52B-C484519E71F7}" type="datetimeFigureOut">
               <a:rPr lang="en-US" smtClean="0"/>
-              <a:t>2021-01-06</a:t>
+              <a:t>2021-09-07</a:t>
             </a:fld>
             <a:endParaRPr lang="en-US"/>
           </a:p>
@@ -2668,7 +2669,7 @@
           <a:p>
             <a:fld id="{FAA2DD4F-0A7E-44CA-B52B-C484519E71F7}" type="datetimeFigureOut">
               <a:rPr lang="en-US" smtClean="0"/>
-              <a:t>2021-01-06</a:t>
+              <a:t>2021-09-07</a:t>
             </a:fld>
             <a:endParaRPr lang="en-US"/>
           </a:p>
@@ -2909,7 +2910,7 @@
           <a:p>
             <a:fld id="{FAA2DD4F-0A7E-44CA-B52B-C484519E71F7}" type="datetimeFigureOut">
               <a:rPr lang="en-US" smtClean="0"/>
-              <a:t>2021-01-06</a:t>
+              <a:t>2021-09-07</a:t>
             </a:fld>
             <a:endParaRPr lang="en-US"/>
           </a:p>
@@ -4203,6 +4204,785 @@
 </p:sld>
 </file>
 
+<file path=ppt/slides/slide2.xml><?xml version="1.0" encoding="utf-8"?>
+<p:sld xmlns:a="http://schemas.openxmlformats.org/drawingml/2006/main" xmlns:r="http://schemas.openxmlformats.org/officeDocument/2006/relationships" xmlns:p="http://schemas.openxmlformats.org/presentationml/2006/main">
+  <p:cSld>
+    <p:spTree>
+      <p:nvGrpSpPr>
+        <p:cNvPr id="1" name=""/>
+        <p:cNvGrpSpPr/>
+        <p:nvPr/>
+      </p:nvGrpSpPr>
+      <p:grpSpPr>
+        <a:xfrm>
+          <a:off x="0" y="0"/>
+          <a:ext cx="0" cy="0"/>
+          <a:chOff x="0" y="0"/>
+          <a:chExt cx="0" cy="0"/>
+        </a:xfrm>
+      </p:grpSpPr>
+      <p:sp>
+        <p:nvSpPr>
+          <p:cNvPr id="4" name="TextBox 3">
+            <a:extLst>
+              <a:ext uri="{FF2B5EF4-FFF2-40B4-BE49-F238E27FC236}">
+                <a16:creationId xmlns:a16="http://schemas.microsoft.com/office/drawing/2014/main" id="{B94911F6-4795-411C-AF0C-CBBE5F064BAD}"/>
+              </a:ext>
+            </a:extLst>
+          </p:cNvPr>
+          <p:cNvSpPr txBox="1"/>
+          <p:nvPr/>
+        </p:nvSpPr>
+        <p:spPr>
+          <a:xfrm>
+            <a:off x="1981662" y="425537"/>
+            <a:ext cx="803531" cy="369332"/>
+          </a:xfrm>
+          <a:prstGeom prst="rect">
+            <a:avLst/>
+          </a:prstGeom>
+          <a:noFill/>
+          <a:ln>
+            <a:solidFill>
+              <a:schemeClr val="tx1"/>
+            </a:solidFill>
+          </a:ln>
+        </p:spPr>
+        <p:txBody>
+          <a:bodyPr wrap="square" rtlCol="0">
+            <a:spAutoFit/>
+          </a:bodyPr>
+          <a:lstStyle/>
+          <a:p>
+            <a:pPr algn="ctr"/>
+            <a:r>
+              <a:rPr lang="de-DE" dirty="0">
+                <a:solidFill>
+                  <a:schemeClr val="accent6">
+                    <a:lumMod val="75000"/>
+                  </a:schemeClr>
+                </a:solidFill>
+              </a:rPr>
+              <a:t>r1s3</a:t>
+            </a:r>
+          </a:p>
+        </p:txBody>
+      </p:sp>
+      <p:sp>
+        <p:nvSpPr>
+          <p:cNvPr id="5" name="TextBox 4">
+            <a:extLst>
+              <a:ext uri="{FF2B5EF4-FFF2-40B4-BE49-F238E27FC236}">
+                <a16:creationId xmlns:a16="http://schemas.microsoft.com/office/drawing/2014/main" id="{4E0DBF26-2611-4887-9EAE-31AA34679643}"/>
+              </a:ext>
+            </a:extLst>
+          </p:cNvPr>
+          <p:cNvSpPr txBox="1"/>
+          <p:nvPr/>
+        </p:nvSpPr>
+        <p:spPr>
+          <a:xfrm rot="5400000">
+            <a:off x="546412" y="1210240"/>
+            <a:ext cx="803531" cy="369332"/>
+          </a:xfrm>
+          <a:prstGeom prst="rect">
+            <a:avLst/>
+          </a:prstGeom>
+          <a:noFill/>
+          <a:ln>
+            <a:solidFill>
+              <a:schemeClr val="tx1"/>
+            </a:solidFill>
+          </a:ln>
+        </p:spPr>
+        <p:txBody>
+          <a:bodyPr wrap="square" rtlCol="0">
+            <a:spAutoFit/>
+          </a:bodyPr>
+          <a:lstStyle/>
+          <a:p>
+            <a:pPr algn="ctr"/>
+            <a:r>
+              <a:rPr lang="de-DE" dirty="0">
+                <a:solidFill>
+                  <a:schemeClr val="accent6">
+                    <a:lumMod val="75000"/>
+                  </a:schemeClr>
+                </a:solidFill>
+              </a:rPr>
+              <a:t>r2s1</a:t>
+            </a:r>
+            <a:endParaRPr lang="en-US" dirty="0">
+              <a:solidFill>
+                <a:schemeClr val="accent6">
+                  <a:lumMod val="75000"/>
+                </a:schemeClr>
+              </a:solidFill>
+            </a:endParaRPr>
+          </a:p>
+        </p:txBody>
+      </p:sp>
+      <p:sp>
+        <p:nvSpPr>
+          <p:cNvPr id="8" name="TextBox 7">
+            <a:extLst>
+              <a:ext uri="{FF2B5EF4-FFF2-40B4-BE49-F238E27FC236}">
+                <a16:creationId xmlns:a16="http://schemas.microsoft.com/office/drawing/2014/main" id="{342CA033-80BB-4254-942A-BB802B3BE428}"/>
+              </a:ext>
+            </a:extLst>
+          </p:cNvPr>
+          <p:cNvSpPr txBox="1"/>
+          <p:nvPr/>
+        </p:nvSpPr>
+        <p:spPr>
+          <a:xfrm rot="16200000">
+            <a:off x="4545203" y="1223784"/>
+            <a:ext cx="803531" cy="369332"/>
+          </a:xfrm>
+          <a:prstGeom prst="rect">
+            <a:avLst/>
+          </a:prstGeom>
+          <a:noFill/>
+          <a:ln>
+            <a:solidFill>
+              <a:schemeClr val="tx1"/>
+            </a:solidFill>
+          </a:ln>
+        </p:spPr>
+        <p:txBody>
+          <a:bodyPr wrap="square" rtlCol="0">
+            <a:spAutoFit/>
+          </a:bodyPr>
+          <a:lstStyle/>
+          <a:p>
+            <a:pPr algn="ctr"/>
+            <a:r>
+              <a:rPr lang="de-DE" dirty="0">
+                <a:solidFill>
+                  <a:schemeClr val="accent6">
+                    <a:lumMod val="75000"/>
+                  </a:schemeClr>
+                </a:solidFill>
+              </a:rPr>
+              <a:t>r2s6</a:t>
+            </a:r>
+            <a:endParaRPr lang="en-US" dirty="0">
+              <a:solidFill>
+                <a:schemeClr val="accent6">
+                  <a:lumMod val="75000"/>
+                </a:schemeClr>
+              </a:solidFill>
+            </a:endParaRPr>
+          </a:p>
+        </p:txBody>
+      </p:sp>
+      <p:sp>
+        <p:nvSpPr>
+          <p:cNvPr id="9" name="TextBox 8">
+            <a:extLst>
+              <a:ext uri="{FF2B5EF4-FFF2-40B4-BE49-F238E27FC236}">
+                <a16:creationId xmlns:a16="http://schemas.microsoft.com/office/drawing/2014/main" id="{D50A8C32-3C6D-4208-B575-C52F4CE44D37}"/>
+              </a:ext>
+            </a:extLst>
+          </p:cNvPr>
+          <p:cNvSpPr txBox="1"/>
+          <p:nvPr/>
+        </p:nvSpPr>
+        <p:spPr>
+          <a:xfrm rot="5400000">
+            <a:off x="568333" y="2065224"/>
+            <a:ext cx="803531" cy="369332"/>
+          </a:xfrm>
+          <a:prstGeom prst="rect">
+            <a:avLst/>
+          </a:prstGeom>
+          <a:noFill/>
+          <a:ln>
+            <a:solidFill>
+              <a:schemeClr val="tx1"/>
+            </a:solidFill>
+          </a:ln>
+        </p:spPr>
+        <p:txBody>
+          <a:bodyPr wrap="square" rtlCol="0">
+            <a:spAutoFit/>
+          </a:bodyPr>
+          <a:lstStyle/>
+          <a:p>
+            <a:pPr algn="ctr"/>
+            <a:r>
+              <a:rPr lang="de-DE" dirty="0">
+                <a:solidFill>
+                  <a:schemeClr val="accent6">
+                    <a:lumMod val="75000"/>
+                  </a:schemeClr>
+                </a:solidFill>
+              </a:rPr>
+              <a:t>r3s1</a:t>
+            </a:r>
+            <a:endParaRPr lang="en-US" dirty="0">
+              <a:solidFill>
+                <a:schemeClr val="accent6">
+                  <a:lumMod val="75000"/>
+                </a:schemeClr>
+              </a:solidFill>
+            </a:endParaRPr>
+          </a:p>
+        </p:txBody>
+      </p:sp>
+      <p:sp>
+        <p:nvSpPr>
+          <p:cNvPr id="11" name="TextBox 10">
+            <a:extLst>
+              <a:ext uri="{FF2B5EF4-FFF2-40B4-BE49-F238E27FC236}">
+                <a16:creationId xmlns:a16="http://schemas.microsoft.com/office/drawing/2014/main" id="{10F24E38-0FA7-4F69-848C-ED8E40BE3AFD}"/>
+              </a:ext>
+            </a:extLst>
+          </p:cNvPr>
+          <p:cNvSpPr txBox="1"/>
+          <p:nvPr/>
+        </p:nvSpPr>
+        <p:spPr>
+          <a:xfrm rot="16200000">
+            <a:off x="4519077" y="2096770"/>
+            <a:ext cx="803531" cy="369332"/>
+          </a:xfrm>
+          <a:prstGeom prst="rect">
+            <a:avLst/>
+          </a:prstGeom>
+          <a:noFill/>
+          <a:ln>
+            <a:solidFill>
+              <a:schemeClr val="tx1"/>
+            </a:solidFill>
+          </a:ln>
+        </p:spPr>
+        <p:txBody>
+          <a:bodyPr wrap="square" rtlCol="0">
+            <a:spAutoFit/>
+          </a:bodyPr>
+          <a:lstStyle/>
+          <a:p>
+            <a:pPr algn="ctr"/>
+            <a:r>
+              <a:rPr lang="de-DE" dirty="0">
+                <a:solidFill>
+                  <a:schemeClr val="accent6">
+                    <a:lumMod val="75000"/>
+                  </a:schemeClr>
+                </a:solidFill>
+              </a:rPr>
+              <a:t>r3s6</a:t>
+            </a:r>
+            <a:endParaRPr lang="en-US" dirty="0">
+              <a:solidFill>
+                <a:schemeClr val="accent6">
+                  <a:lumMod val="75000"/>
+                </a:schemeClr>
+              </a:solidFill>
+            </a:endParaRPr>
+          </a:p>
+        </p:txBody>
+      </p:sp>
+      <p:sp>
+        <p:nvSpPr>
+          <p:cNvPr id="12" name="TextBox 11">
+            <a:extLst>
+              <a:ext uri="{FF2B5EF4-FFF2-40B4-BE49-F238E27FC236}">
+                <a16:creationId xmlns:a16="http://schemas.microsoft.com/office/drawing/2014/main" id="{BB7723C8-DD4A-491F-82F3-1F0C4D870C29}"/>
+              </a:ext>
+            </a:extLst>
+          </p:cNvPr>
+          <p:cNvSpPr txBox="1"/>
+          <p:nvPr/>
+        </p:nvSpPr>
+        <p:spPr>
+          <a:xfrm rot="5400000">
+            <a:off x="547313" y="3771780"/>
+            <a:ext cx="803531" cy="369332"/>
+          </a:xfrm>
+          <a:prstGeom prst="rect">
+            <a:avLst/>
+          </a:prstGeom>
+          <a:noFill/>
+          <a:ln>
+            <a:solidFill>
+              <a:schemeClr val="tx1"/>
+            </a:solidFill>
+          </a:ln>
+        </p:spPr>
+        <p:txBody>
+          <a:bodyPr wrap="square" rtlCol="0">
+            <a:spAutoFit/>
+          </a:bodyPr>
+          <a:lstStyle/>
+          <a:p>
+            <a:pPr algn="ctr"/>
+            <a:r>
+              <a:rPr lang="de-DE" dirty="0">
+                <a:solidFill>
+                  <a:schemeClr val="accent6">
+                    <a:lumMod val="75000"/>
+                  </a:schemeClr>
+                </a:solidFill>
+              </a:rPr>
+              <a:t>r5s1</a:t>
+            </a:r>
+            <a:endParaRPr lang="en-US" dirty="0">
+              <a:solidFill>
+                <a:schemeClr val="accent6">
+                  <a:lumMod val="75000"/>
+                </a:schemeClr>
+              </a:solidFill>
+            </a:endParaRPr>
+          </a:p>
+        </p:txBody>
+      </p:sp>
+      <p:sp>
+        <p:nvSpPr>
+          <p:cNvPr id="13" name="TextBox 12">
+            <a:extLst>
+              <a:ext uri="{FF2B5EF4-FFF2-40B4-BE49-F238E27FC236}">
+                <a16:creationId xmlns:a16="http://schemas.microsoft.com/office/drawing/2014/main" id="{13CDBF4F-A87C-4D93-8D11-B4342E539AF1}"/>
+              </a:ext>
+            </a:extLst>
+          </p:cNvPr>
+          <p:cNvSpPr txBox="1"/>
+          <p:nvPr/>
+        </p:nvSpPr>
+        <p:spPr>
+          <a:xfrm rot="5400000">
+            <a:off x="550717" y="2936460"/>
+            <a:ext cx="803531" cy="369332"/>
+          </a:xfrm>
+          <a:prstGeom prst="rect">
+            <a:avLst/>
+          </a:prstGeom>
+          <a:noFill/>
+          <a:ln>
+            <a:solidFill>
+              <a:schemeClr val="tx1"/>
+            </a:solidFill>
+          </a:ln>
+        </p:spPr>
+        <p:txBody>
+          <a:bodyPr wrap="square" rtlCol="0">
+            <a:spAutoFit/>
+          </a:bodyPr>
+          <a:lstStyle/>
+          <a:p>
+            <a:pPr algn="ctr"/>
+            <a:r>
+              <a:rPr lang="de-DE" dirty="0">
+                <a:solidFill>
+                  <a:schemeClr val="accent6">
+                    <a:lumMod val="75000"/>
+                  </a:schemeClr>
+                </a:solidFill>
+              </a:rPr>
+              <a:t>r4s1</a:t>
+            </a:r>
+            <a:endParaRPr lang="en-US" dirty="0">
+              <a:solidFill>
+                <a:schemeClr val="accent6">
+                  <a:lumMod val="75000"/>
+                </a:schemeClr>
+              </a:solidFill>
+            </a:endParaRPr>
+          </a:p>
+        </p:txBody>
+      </p:sp>
+      <p:sp>
+        <p:nvSpPr>
+          <p:cNvPr id="14" name="TextBox 13">
+            <a:extLst>
+              <a:ext uri="{FF2B5EF4-FFF2-40B4-BE49-F238E27FC236}">
+                <a16:creationId xmlns:a16="http://schemas.microsoft.com/office/drawing/2014/main" id="{7088B14B-E996-473E-8786-9B3CF332332D}"/>
+              </a:ext>
+            </a:extLst>
+          </p:cNvPr>
+          <p:cNvSpPr txBox="1"/>
+          <p:nvPr/>
+        </p:nvSpPr>
+        <p:spPr>
+          <a:xfrm rot="16200000">
+            <a:off x="4557728" y="3799607"/>
+            <a:ext cx="803531" cy="369332"/>
+          </a:xfrm>
+          <a:prstGeom prst="rect">
+            <a:avLst/>
+          </a:prstGeom>
+          <a:noFill/>
+          <a:ln>
+            <a:solidFill>
+              <a:schemeClr val="tx1"/>
+            </a:solidFill>
+          </a:ln>
+        </p:spPr>
+        <p:txBody>
+          <a:bodyPr wrap="square" rtlCol="0">
+            <a:spAutoFit/>
+          </a:bodyPr>
+          <a:lstStyle/>
+          <a:p>
+            <a:pPr algn="ctr"/>
+            <a:r>
+              <a:rPr lang="de-DE" dirty="0">
+                <a:solidFill>
+                  <a:schemeClr val="accent6">
+                    <a:lumMod val="75000"/>
+                  </a:schemeClr>
+                </a:solidFill>
+              </a:rPr>
+              <a:t>r5s6</a:t>
+            </a:r>
+            <a:endParaRPr lang="en-US" dirty="0">
+              <a:solidFill>
+                <a:schemeClr val="accent6">
+                  <a:lumMod val="75000"/>
+                </a:schemeClr>
+              </a:solidFill>
+            </a:endParaRPr>
+          </a:p>
+        </p:txBody>
+      </p:sp>
+      <p:sp>
+        <p:nvSpPr>
+          <p:cNvPr id="15" name="TextBox 14">
+            <a:extLst>
+              <a:ext uri="{FF2B5EF4-FFF2-40B4-BE49-F238E27FC236}">
+                <a16:creationId xmlns:a16="http://schemas.microsoft.com/office/drawing/2014/main" id="{FAF337B4-6065-4F0E-A7E1-4288D9E9B929}"/>
+              </a:ext>
+            </a:extLst>
+          </p:cNvPr>
+          <p:cNvSpPr txBox="1"/>
+          <p:nvPr/>
+        </p:nvSpPr>
+        <p:spPr>
+          <a:xfrm rot="16200000">
+            <a:off x="4540661" y="2936982"/>
+            <a:ext cx="803531" cy="369332"/>
+          </a:xfrm>
+          <a:prstGeom prst="rect">
+            <a:avLst/>
+          </a:prstGeom>
+          <a:noFill/>
+          <a:ln>
+            <a:solidFill>
+              <a:schemeClr val="tx1"/>
+            </a:solidFill>
+          </a:ln>
+        </p:spPr>
+        <p:txBody>
+          <a:bodyPr wrap="square" rtlCol="0">
+            <a:spAutoFit/>
+          </a:bodyPr>
+          <a:lstStyle/>
+          <a:p>
+            <a:pPr algn="ctr"/>
+            <a:r>
+              <a:rPr lang="de-DE" dirty="0">
+                <a:solidFill>
+                  <a:schemeClr val="accent6">
+                    <a:lumMod val="75000"/>
+                  </a:schemeClr>
+                </a:solidFill>
+              </a:rPr>
+              <a:t>r4s6</a:t>
+            </a:r>
+            <a:endParaRPr lang="en-US" dirty="0">
+              <a:solidFill>
+                <a:schemeClr val="accent6">
+                  <a:lumMod val="75000"/>
+                </a:schemeClr>
+              </a:solidFill>
+            </a:endParaRPr>
+          </a:p>
+        </p:txBody>
+      </p:sp>
+      <p:sp>
+        <p:nvSpPr>
+          <p:cNvPr id="16" name="TextBox 15">
+            <a:extLst>
+              <a:ext uri="{FF2B5EF4-FFF2-40B4-BE49-F238E27FC236}">
+                <a16:creationId xmlns:a16="http://schemas.microsoft.com/office/drawing/2014/main" id="{D2665318-0AA4-438C-90A0-AF3F18103952}"/>
+              </a:ext>
+            </a:extLst>
+          </p:cNvPr>
+          <p:cNvSpPr txBox="1"/>
+          <p:nvPr/>
+        </p:nvSpPr>
+        <p:spPr>
+          <a:xfrm>
+            <a:off x="3814985" y="4005662"/>
+            <a:ext cx="803531" cy="369332"/>
+          </a:xfrm>
+          <a:prstGeom prst="rect">
+            <a:avLst/>
+          </a:prstGeom>
+          <a:noFill/>
+          <a:ln>
+            <a:solidFill>
+              <a:schemeClr val="tx1"/>
+            </a:solidFill>
+          </a:ln>
+        </p:spPr>
+        <p:txBody>
+          <a:bodyPr wrap="square" rtlCol="0">
+            <a:spAutoFit/>
+          </a:bodyPr>
+          <a:lstStyle/>
+          <a:p>
+            <a:pPr algn="ctr"/>
+            <a:r>
+              <a:rPr lang="de-DE" dirty="0">
+                <a:solidFill>
+                  <a:schemeClr val="accent6">
+                    <a:lumMod val="75000"/>
+                  </a:schemeClr>
+                </a:solidFill>
+              </a:rPr>
+              <a:t>r5s5</a:t>
+            </a:r>
+            <a:endParaRPr lang="en-US" dirty="0">
+              <a:solidFill>
+                <a:schemeClr val="accent6">
+                  <a:lumMod val="75000"/>
+                </a:schemeClr>
+              </a:solidFill>
+            </a:endParaRPr>
+          </a:p>
+        </p:txBody>
+      </p:sp>
+      <p:sp>
+        <p:nvSpPr>
+          <p:cNvPr id="17" name="TextBox 16">
+            <a:extLst>
+              <a:ext uri="{FF2B5EF4-FFF2-40B4-BE49-F238E27FC236}">
+                <a16:creationId xmlns:a16="http://schemas.microsoft.com/office/drawing/2014/main" id="{AF11A6D2-6562-4C2B-9877-73C63FE6218F}"/>
+              </a:ext>
+            </a:extLst>
+          </p:cNvPr>
+          <p:cNvSpPr txBox="1"/>
+          <p:nvPr/>
+        </p:nvSpPr>
+        <p:spPr>
+          <a:xfrm>
+            <a:off x="1252827" y="4005662"/>
+            <a:ext cx="803531" cy="369332"/>
+          </a:xfrm>
+          <a:prstGeom prst="rect">
+            <a:avLst/>
+          </a:prstGeom>
+          <a:noFill/>
+          <a:ln>
+            <a:solidFill>
+              <a:schemeClr val="tx1"/>
+            </a:solidFill>
+          </a:ln>
+        </p:spPr>
+        <p:txBody>
+          <a:bodyPr wrap="square" rtlCol="0">
+            <a:spAutoFit/>
+          </a:bodyPr>
+          <a:lstStyle/>
+          <a:p>
+            <a:pPr algn="ctr"/>
+            <a:r>
+              <a:rPr lang="de-DE" dirty="0">
+                <a:solidFill>
+                  <a:schemeClr val="accent6">
+                    <a:lumMod val="75000"/>
+                  </a:schemeClr>
+                </a:solidFill>
+              </a:rPr>
+              <a:t>r5s2</a:t>
+            </a:r>
+            <a:endParaRPr lang="en-US" dirty="0">
+              <a:solidFill>
+                <a:schemeClr val="accent6">
+                  <a:lumMod val="75000"/>
+                </a:schemeClr>
+              </a:solidFill>
+            </a:endParaRPr>
+          </a:p>
+        </p:txBody>
+      </p:sp>
+      <p:sp>
+        <p:nvSpPr>
+          <p:cNvPr id="18" name="TextBox 17">
+            <a:extLst>
+              <a:ext uri="{FF2B5EF4-FFF2-40B4-BE49-F238E27FC236}">
+                <a16:creationId xmlns:a16="http://schemas.microsoft.com/office/drawing/2014/main" id="{88A76377-2263-4162-97F7-55C600811630}"/>
+              </a:ext>
+            </a:extLst>
+          </p:cNvPr>
+          <p:cNvSpPr txBox="1"/>
+          <p:nvPr/>
+        </p:nvSpPr>
+        <p:spPr>
+          <a:xfrm>
+            <a:off x="2110722" y="3988879"/>
+            <a:ext cx="803531" cy="369332"/>
+          </a:xfrm>
+          <a:prstGeom prst="rect">
+            <a:avLst/>
+          </a:prstGeom>
+          <a:noFill/>
+          <a:ln>
+            <a:solidFill>
+              <a:schemeClr val="tx1"/>
+            </a:solidFill>
+          </a:ln>
+        </p:spPr>
+        <p:txBody>
+          <a:bodyPr wrap="square" rtlCol="0">
+            <a:spAutoFit/>
+          </a:bodyPr>
+          <a:lstStyle/>
+          <a:p>
+            <a:pPr algn="ctr"/>
+            <a:r>
+              <a:rPr lang="de-DE" dirty="0">
+                <a:solidFill>
+                  <a:schemeClr val="accent6">
+                    <a:lumMod val="75000"/>
+                  </a:schemeClr>
+                </a:solidFill>
+              </a:rPr>
+              <a:t>r5s3</a:t>
+            </a:r>
+            <a:endParaRPr lang="en-US" dirty="0">
+              <a:solidFill>
+                <a:schemeClr val="accent6">
+                  <a:lumMod val="75000"/>
+                </a:schemeClr>
+              </a:solidFill>
+            </a:endParaRPr>
+          </a:p>
+        </p:txBody>
+      </p:sp>
+      <p:sp>
+        <p:nvSpPr>
+          <p:cNvPr id="19" name="Rectangle 18">
+            <a:extLst>
+              <a:ext uri="{FF2B5EF4-FFF2-40B4-BE49-F238E27FC236}">
+                <a16:creationId xmlns:a16="http://schemas.microsoft.com/office/drawing/2014/main" id="{28084C85-9801-43AD-885A-723520C985C3}"/>
+              </a:ext>
+            </a:extLst>
+          </p:cNvPr>
+          <p:cNvSpPr/>
+          <p:nvPr/>
+        </p:nvSpPr>
+        <p:spPr>
+          <a:xfrm>
+            <a:off x="304800" y="146050"/>
+            <a:ext cx="5486400" cy="4537268"/>
+          </a:xfrm>
+          <a:prstGeom prst="rect">
+            <a:avLst/>
+          </a:prstGeom>
+          <a:noFill/>
+          <a:ln>
+            <a:solidFill>
+              <a:schemeClr val="accent6">
+                <a:lumMod val="75000"/>
+              </a:schemeClr>
+            </a:solidFill>
+          </a:ln>
+        </p:spPr>
+        <p:style>
+          <a:lnRef idx="2">
+            <a:schemeClr val="accent1">
+              <a:shade val="50000"/>
+            </a:schemeClr>
+          </a:lnRef>
+          <a:fillRef idx="1">
+            <a:schemeClr val="accent1"/>
+          </a:fillRef>
+          <a:effectRef idx="0">
+            <a:schemeClr val="accent1"/>
+          </a:effectRef>
+          <a:fontRef idx="minor">
+            <a:schemeClr val="lt1"/>
+          </a:fontRef>
+        </p:style>
+        <p:txBody>
+          <a:bodyPr rtlCol="0" anchor="ctr"/>
+          <a:lstStyle/>
+          <a:p>
+            <a:pPr algn="ctr"/>
+            <a:endParaRPr lang="en-US"/>
+          </a:p>
+        </p:txBody>
+      </p:sp>
+      <p:sp>
+        <p:nvSpPr>
+          <p:cNvPr id="20" name="TextBox 19">
+            <a:extLst>
+              <a:ext uri="{FF2B5EF4-FFF2-40B4-BE49-F238E27FC236}">
+                <a16:creationId xmlns:a16="http://schemas.microsoft.com/office/drawing/2014/main" id="{909FA086-11BC-4AA5-BB53-96DE34302401}"/>
+              </a:ext>
+            </a:extLst>
+          </p:cNvPr>
+          <p:cNvSpPr txBox="1"/>
+          <p:nvPr/>
+        </p:nvSpPr>
+        <p:spPr>
+          <a:xfrm>
+            <a:off x="2989630" y="3990967"/>
+            <a:ext cx="803531" cy="369332"/>
+          </a:xfrm>
+          <a:prstGeom prst="rect">
+            <a:avLst/>
+          </a:prstGeom>
+          <a:noFill/>
+          <a:ln>
+            <a:solidFill>
+              <a:schemeClr val="tx1"/>
+            </a:solidFill>
+          </a:ln>
+        </p:spPr>
+        <p:txBody>
+          <a:bodyPr wrap="square" rtlCol="0">
+            <a:spAutoFit/>
+          </a:bodyPr>
+          <a:lstStyle/>
+          <a:p>
+            <a:pPr algn="ctr"/>
+            <a:r>
+              <a:rPr lang="de-DE" dirty="0">
+                <a:solidFill>
+                  <a:schemeClr val="accent6">
+                    <a:lumMod val="75000"/>
+                  </a:schemeClr>
+                </a:solidFill>
+              </a:rPr>
+              <a:t>r5s4</a:t>
+            </a:r>
+            <a:endParaRPr lang="en-US" dirty="0">
+              <a:solidFill>
+                <a:schemeClr val="accent6">
+                  <a:lumMod val="75000"/>
+                </a:schemeClr>
+              </a:solidFill>
+            </a:endParaRPr>
+          </a:p>
+        </p:txBody>
+      </p:sp>
+    </p:spTree>
+    <p:extLst>
+      <p:ext uri="{BB962C8B-B14F-4D97-AF65-F5344CB8AC3E}">
+        <p14:creationId xmlns:p14="http://schemas.microsoft.com/office/powerpoint/2010/main" val="2637659826"/>
+      </p:ext>
+    </p:extLst>
+  </p:cSld>
+  <p:clrMapOvr>
+    <a:masterClrMapping/>
+  </p:clrMapOvr>
+</p:sld>
+</file>
+
 <file path=ppt/theme/theme1.xml><?xml version="1.0" encoding="utf-8"?>
 <a:theme xmlns:a="http://schemas.openxmlformats.org/drawingml/2006/main" name="Office Theme">
   <a:themeElements>
